--- a/teaching/cs513-autocps-fall-2025/slides/TimedModels.pptx
+++ b/teaching/cs513-autocps-fall-2025/slides/TimedModels.pptx
@@ -246,7 +246,7 @@
           <a:p>
             <a:fld id="{459B985A-4C37-4D1F-A437-E4A951A85D11}" type="datetimeFigureOut">
               <a:rPr lang="en-US" smtClean="0"/>
-              <a:t>9/9/2024</a:t>
+              <a:t>9/8/2025</a:t>
             </a:fld>
             <a:endParaRPr lang="en-US"/>
           </a:p>
@@ -423,7 +423,7 @@
           <a:p>
             <a:fld id="{6580C23F-98B7-41D4-A9FA-15A275A51486}" type="datetimeFigureOut">
               <a:rPr lang="en-US" smtClean="0"/>
-              <a:t>9/9/2024</a:t>
+              <a:t>9/8/2025</a:t>
             </a:fld>
             <a:endParaRPr lang="en-US"/>
           </a:p>
@@ -1144,7 +1144,7 @@
           <p:nvPr userDrawn="1"/>
         </p:nvPicPr>
         <mc:AlternateContent xmlns:mc="http://schemas.openxmlformats.org/markup-compatibility/2006">
-          <mc:Choice xmlns="" xmlns:mv="urn:schemas-microsoft-com:mac:vml" xmlns:ma="http://schemas.microsoft.com/office/mac/drawingml/2008/main" Requires="ma">
+          <mc:Choice xmlns:ma="http://schemas.microsoft.com/office/mac/drawingml/2008/main" xmlns:mv="urn:schemas-microsoft-com:mac:vml" xmlns="" Requires="ma">
             <p:blipFill>
               <a:blip r:embed="rId3"/>
               <a:stretch>
@@ -2114,7 +2114,7 @@
           <a:p>
             <a:r>
               <a:rPr lang="en-US" dirty="0"/>
-              <a:t>Fall 2024. CSCI 513.</a:t>
+              <a:t>Fall 2025. CSCI 513.</a:t>
             </a:r>
           </a:p>
           <a:p>
@@ -6020,812 +6020,6 @@
       </p:sp>
       <p:grpSp>
         <p:nvGrpSpPr>
-          <p:cNvPr id="17" name="Group 16">
-            <a:extLst>
-              <a:ext uri="{FF2B5EF4-FFF2-40B4-BE49-F238E27FC236}">
-                <a16:creationId xmlns:a16="http://schemas.microsoft.com/office/drawing/2014/main" id="{2352BA12-C067-4D3A-B0CC-43891BEBB6F9}"/>
-              </a:ext>
-            </a:extLst>
-          </p:cNvPr>
-          <p:cNvGrpSpPr/>
-          <p:nvPr/>
-        </p:nvGrpSpPr>
-        <p:grpSpPr>
-          <a:xfrm>
-            <a:off x="8191001" y="1316840"/>
-            <a:ext cx="3544207" cy="2248640"/>
-            <a:chOff x="7676243" y="1344115"/>
-            <a:chExt cx="2996112" cy="1462585"/>
-          </a:xfrm>
-        </p:grpSpPr>
-        <p:sp>
-          <p:nvSpPr>
-            <p:cNvPr id="6" name="Rectangle 5">
-              <a:extLst>
-                <a:ext uri="{FF2B5EF4-FFF2-40B4-BE49-F238E27FC236}">
-                  <a16:creationId xmlns:a16="http://schemas.microsoft.com/office/drawing/2014/main" id="{4F2E790F-179D-4F9D-8FF9-E9FB49E11562}"/>
-                </a:ext>
-              </a:extLst>
-            </p:cNvPr>
-            <p:cNvSpPr/>
-            <p:nvPr/>
-          </p:nvSpPr>
-          <p:spPr>
-            <a:xfrm>
-              <a:off x="7676243" y="1344115"/>
-              <a:ext cx="2919939" cy="1462585"/>
-            </a:xfrm>
-            <a:prstGeom prst="rect">
-              <a:avLst/>
-            </a:prstGeom>
-            <a:noFill/>
-            <a:ln w="50800">
-              <a:solidFill>
-                <a:schemeClr val="tx1"/>
-              </a:solidFill>
-            </a:ln>
-          </p:spPr>
-          <p:style>
-            <a:lnRef idx="2">
-              <a:schemeClr val="accent1">
-                <a:shade val="50000"/>
-              </a:schemeClr>
-            </a:lnRef>
-            <a:fillRef idx="1">
-              <a:schemeClr val="accent1"/>
-            </a:fillRef>
-            <a:effectRef idx="0">
-              <a:schemeClr val="accent1"/>
-            </a:effectRef>
-            <a:fontRef idx="minor">
-              <a:schemeClr val="lt1"/>
-            </a:fontRef>
-          </p:style>
-          <p:txBody>
-            <a:bodyPr rtlCol="0" anchor="ctr"/>
-            <a:lstStyle/>
-            <a:p>
-              <a:pPr algn="ctr"/>
-              <a:endParaRPr lang="en-US"/>
-            </a:p>
-          </p:txBody>
-        </p:sp>
-        <p:cxnSp>
-          <p:nvCxnSpPr>
-            <p:cNvPr id="10" name="Straight Connector 9">
-              <a:extLst>
-                <a:ext uri="{FF2B5EF4-FFF2-40B4-BE49-F238E27FC236}">
-                  <a16:creationId xmlns:a16="http://schemas.microsoft.com/office/drawing/2014/main" id="{9F19A6EE-9AFB-4ADB-84D0-8DA2D3F8A4E1}"/>
-                </a:ext>
-              </a:extLst>
-            </p:cNvPr>
-            <p:cNvCxnSpPr>
-              <a:cxnSpLocks/>
-            </p:cNvCxnSpPr>
-            <p:nvPr/>
-          </p:nvCxnSpPr>
-          <p:spPr>
-            <a:xfrm>
-              <a:off x="7676243" y="1837284"/>
-              <a:ext cx="2919939" cy="0"/>
-            </a:xfrm>
-            <a:prstGeom prst="line">
-              <a:avLst/>
-            </a:prstGeom>
-            <a:ln w="50800">
-              <a:solidFill>
-                <a:schemeClr val="tx1"/>
-              </a:solidFill>
-            </a:ln>
-          </p:spPr>
-          <p:style>
-            <a:lnRef idx="1">
-              <a:schemeClr val="accent1"/>
-            </a:lnRef>
-            <a:fillRef idx="0">
-              <a:schemeClr val="accent1"/>
-            </a:fillRef>
-            <a:effectRef idx="0">
-              <a:schemeClr val="accent1"/>
-            </a:effectRef>
-            <a:fontRef idx="minor">
-              <a:schemeClr val="tx1"/>
-            </a:fontRef>
-          </p:style>
-        </p:cxnSp>
-        <mc:AlternateContent xmlns:mc="http://schemas.openxmlformats.org/markup-compatibility/2006" xmlns:a14="http://schemas.microsoft.com/office/drawing/2010/main">
-          <mc:Choice Requires="a14">
-            <p:sp>
-              <p:nvSpPr>
-                <p:cNvPr id="11" name="TextBox 10">
-                  <a:extLst>
-                    <a:ext uri="{FF2B5EF4-FFF2-40B4-BE49-F238E27FC236}">
-                      <a16:creationId xmlns:a16="http://schemas.microsoft.com/office/drawing/2014/main" id="{7DC2B578-CEF3-43E4-950F-2446E0717831}"/>
-                    </a:ext>
-                  </a:extLst>
-                </p:cNvPr>
-                <p:cNvSpPr txBox="1"/>
-                <p:nvPr/>
-              </p:nvSpPr>
-              <p:spPr>
-                <a:xfrm>
-                  <a:off x="7911166" y="1361986"/>
-                  <a:ext cx="2610910" cy="461665"/>
-                </a:xfrm>
-                <a:prstGeom prst="rect">
-                  <a:avLst/>
-                </a:prstGeom>
-                <a:noFill/>
-              </p:spPr>
-              <p:txBody>
-                <a:bodyPr wrap="none" rtlCol="0">
-                  <a:spAutoFit/>
-                </a:bodyPr>
-                <a:lstStyle/>
-                <a:p>
-                  <a:r>
-                    <a:rPr lang="en-US" sz="2400" dirty="0"/>
-                    <a:t>m</a:t>
-                  </a:r>
-                  <a:r>
-                    <a:rPr lang="en-US" sz="2400" b="0" dirty="0"/>
-                    <a:t>ode </a:t>
-                  </a:r>
-                  <a14:m>
-                    <m:oMath xmlns:m="http://schemas.openxmlformats.org/officeDocument/2006/math">
-                      <m:r>
-                        <a:rPr lang="en-US" sz="2400" b="0" i="1" smtClean="0">
-                          <a:latin typeface="Cambria Math" panose="02040503050406030204" pitchFamily="18" charset="0"/>
-                        </a:rPr>
-                        <m:t>𝑚</m:t>
-                      </m:r>
-                      <m:r>
-                        <a:rPr lang="en-US" sz="2400" b="0" i="0" smtClean="0">
-                          <a:latin typeface="Cambria Math" panose="02040503050406030204" pitchFamily="18" charset="0"/>
-                        </a:rPr>
-                        <m:t>≔</m:t>
-                      </m:r>
-                      <m:sSub>
-                        <m:sSubPr>
-                          <m:ctrlPr>
-                            <a:rPr lang="en-US" sz="2400" b="0" i="1" smtClean="0">
-                              <a:latin typeface="Cambria Math" panose="02040503050406030204" pitchFamily="18" charset="0"/>
-                            </a:rPr>
-                          </m:ctrlPr>
-                        </m:sSubPr>
-                        <m:e>
-                          <m:r>
-                            <a:rPr lang="en-US" sz="2400" b="0" i="1" smtClean="0">
-                              <a:latin typeface="Cambria Math" panose="02040503050406030204" pitchFamily="18" charset="0"/>
-                            </a:rPr>
-                            <m:t>𝑚</m:t>
-                          </m:r>
-                        </m:e>
-                        <m:sub>
-                          <m:r>
-                            <a:rPr lang="en-US" sz="2400" b="0" i="0" smtClean="0">
-                              <a:latin typeface="Cambria Math" panose="02040503050406030204" pitchFamily="18" charset="0"/>
-                            </a:rPr>
-                            <m:t>1</m:t>
-                          </m:r>
-                        </m:sub>
-                      </m:sSub>
-                    </m:oMath>
-                  </a14:m>
-                  <a:r>
-                    <a:rPr lang="en-US" sz="2400" dirty="0"/>
-                    <a:t>, clock </a:t>
-                  </a:r>
-                  <a14:m>
-                    <m:oMath xmlns:m="http://schemas.openxmlformats.org/officeDocument/2006/math">
-                      <m:r>
-                        <a:rPr lang="en-US" sz="2400" i="1" dirty="0" smtClean="0">
-                          <a:latin typeface="Cambria Math" panose="02040503050406030204" pitchFamily="18" charset="0"/>
-                        </a:rPr>
-                        <m:t>𝑐</m:t>
-                      </m:r>
-                    </m:oMath>
-                  </a14:m>
-                  <a:endParaRPr lang="en-US" sz="2400" dirty="0"/>
-                </a:p>
-              </p:txBody>
-            </p:sp>
-          </mc:Choice>
-          <mc:Fallback xmlns="">
-            <p:sp>
-              <p:nvSpPr>
-                <p:cNvPr id="11" name="TextBox 10">
-                  <a:extLst>
-                    <a:ext uri="{FF2B5EF4-FFF2-40B4-BE49-F238E27FC236}">
-                      <a16:creationId xmlns:a16="http://schemas.microsoft.com/office/drawing/2014/main" id="{7DC2B578-CEF3-43E4-950F-2446E0717831}"/>
-                    </a:ext>
-                  </a:extLst>
-                </p:cNvPr>
-                <p:cNvSpPr txBox="1">
-                  <a:spLocks noRot="1" noChangeAspect="1" noMove="1" noResize="1" noEditPoints="1" noAdjustHandles="1" noChangeArrowheads="1" noChangeShapeType="1" noTextEdit="1"/>
-                </p:cNvSpPr>
-                <p:nvPr/>
-              </p:nvSpPr>
-              <p:spPr>
-                <a:xfrm>
-                  <a:off x="7911166" y="1361986"/>
-                  <a:ext cx="2610910" cy="461665"/>
-                </a:xfrm>
-                <a:prstGeom prst="rect">
-                  <a:avLst/>
-                </a:prstGeom>
-                <a:blipFill>
-                  <a:blip r:embed="rId3"/>
-                  <a:stretch>
-                    <a:fillRect l="-2959" t="-6897"/>
-                  </a:stretch>
-                </a:blipFill>
-              </p:spPr>
-              <p:txBody>
-                <a:bodyPr/>
-                <a:lstStyle/>
-                <a:p>
-                  <a:r>
-                    <a:rPr lang="en-US">
-                      <a:noFill/>
-                    </a:rPr>
-                    <a:t> </a:t>
-                  </a:r>
-                </a:p>
-              </p:txBody>
-            </p:sp>
-          </mc:Fallback>
-        </mc:AlternateContent>
-        <mc:AlternateContent xmlns:mc="http://schemas.openxmlformats.org/markup-compatibility/2006" xmlns:a14="http://schemas.microsoft.com/office/drawing/2010/main">
-          <mc:Choice Requires="a14">
-            <p:sp>
-              <p:nvSpPr>
-                <p:cNvPr id="12" name="TextBox 11">
-                  <a:extLst>
-                    <a:ext uri="{FF2B5EF4-FFF2-40B4-BE49-F238E27FC236}">
-                      <a16:creationId xmlns:a16="http://schemas.microsoft.com/office/drawing/2014/main" id="{F7E91E77-ADF9-46C8-BEC3-02EE396C91E8}"/>
-                    </a:ext>
-                  </a:extLst>
-                </p:cNvPr>
-                <p:cNvSpPr txBox="1"/>
-                <p:nvPr/>
-              </p:nvSpPr>
-              <p:spPr>
-                <a:xfrm>
-                  <a:off x="7729010" y="1850918"/>
-                  <a:ext cx="2919939" cy="460431"/>
-                </a:xfrm>
-                <a:prstGeom prst="rect">
-                  <a:avLst/>
-                </a:prstGeom>
-                <a:noFill/>
-              </p:spPr>
-              <p:txBody>
-                <a:bodyPr wrap="square" rtlCol="0">
-                  <a:spAutoFit/>
-                </a:bodyPr>
-                <a:lstStyle/>
-                <a:p>
-                  <a14:m>
-                    <m:oMath xmlns:m="http://schemas.openxmlformats.org/officeDocument/2006/math">
-                      <m:sSub>
-                        <m:sSubPr>
-                          <m:ctrlPr>
-                            <a:rPr lang="en-US" sz="2000" b="0" i="1" smtClean="0">
-                              <a:latin typeface="Cambria Math" panose="02040503050406030204" pitchFamily="18" charset="0"/>
-                            </a:rPr>
-                          </m:ctrlPr>
-                        </m:sSubPr>
-                        <m:e>
-                          <m:r>
-                            <a:rPr lang="en-US" sz="2000" b="0" i="1" smtClean="0">
-                              <a:latin typeface="Cambria Math" panose="02040503050406030204" pitchFamily="18" charset="0"/>
-                            </a:rPr>
-                            <m:t>𝑇</m:t>
-                          </m:r>
-                        </m:e>
-                        <m:sub>
-                          <m:r>
-                            <a:rPr lang="en-US" sz="2000" b="0" i="1" smtClean="0">
-                              <a:latin typeface="Cambria Math" panose="02040503050406030204" pitchFamily="18" charset="0"/>
-                            </a:rPr>
-                            <m:t>1→2</m:t>
-                          </m:r>
-                        </m:sub>
-                      </m:sSub>
-                      <m:r>
-                        <a:rPr lang="en-US" sz="2000" b="0" i="1" smtClean="0">
-                          <a:latin typeface="Cambria Math" panose="02040503050406030204" pitchFamily="18" charset="0"/>
-                        </a:rPr>
-                        <m:t>:</m:t>
-                      </m:r>
-                    </m:oMath>
-                  </a14:m>
-                  <a:r>
-                    <a:rPr lang="en-US" sz="2000" dirty="0"/>
-                    <a:t> </a:t>
-                  </a:r>
-                  <a14:m>
-                    <m:oMath xmlns:m="http://schemas.openxmlformats.org/officeDocument/2006/math">
-                      <m:sSub>
-                        <m:sSubPr>
-                          <m:ctrlPr>
-                            <a:rPr lang="en-US" sz="2000" b="0" i="1" dirty="0" smtClean="0">
-                              <a:latin typeface="Cambria Math" panose="02040503050406030204" pitchFamily="18" charset="0"/>
-                            </a:rPr>
-                          </m:ctrlPr>
-                        </m:sSubPr>
-                        <m:e>
-                          <m:r>
-                            <m:rPr>
-                              <m:sty m:val="p"/>
-                            </m:rPr>
-                            <a:rPr lang="en-US" sz="2000" b="0" i="0" dirty="0" smtClean="0">
-                              <a:latin typeface="Cambria Math" panose="02040503050406030204" pitchFamily="18" charset="0"/>
-                            </a:rPr>
-                            <m:t>g</m:t>
-                          </m:r>
-                        </m:e>
-                        <m:sub>
-                          <m:r>
-                            <a:rPr lang="en-US" sz="2000" b="0" i="0" dirty="0" smtClean="0">
-                              <a:latin typeface="Cambria Math" panose="02040503050406030204" pitchFamily="18" charset="0"/>
-                            </a:rPr>
-                            <m:t>1</m:t>
-                          </m:r>
-                        </m:sub>
-                      </m:sSub>
-                      <m:d>
-                        <m:dPr>
-                          <m:ctrlPr>
-                            <a:rPr lang="en-US" sz="2000" b="0" i="1" dirty="0" smtClean="0">
-                              <a:latin typeface="Cambria Math" panose="02040503050406030204" pitchFamily="18" charset="0"/>
-                            </a:rPr>
-                          </m:ctrlPr>
-                        </m:dPr>
-                        <m:e>
-                          <m:r>
-                            <m:rPr>
-                              <m:sty m:val="p"/>
-                            </m:rPr>
-                            <a:rPr lang="en-US" sz="2000" b="0" i="0" dirty="0" smtClean="0">
-                              <a:latin typeface="Cambria Math" panose="02040503050406030204" pitchFamily="18" charset="0"/>
-                            </a:rPr>
-                            <m:t>c</m:t>
-                          </m:r>
-                        </m:e>
-                      </m:d>
-                      <m:r>
-                        <a:rPr lang="en-US" sz="2000" b="0" i="1" dirty="0" smtClean="0">
-                          <a:latin typeface="Cambria Math" panose="02040503050406030204" pitchFamily="18" charset="0"/>
-                        </a:rPr>
-                        <m:t>∧</m:t>
-                      </m:r>
-                      <m:d>
-                        <m:dPr>
-                          <m:ctrlPr>
-                            <a:rPr lang="en-US" sz="2000" b="0" i="1" dirty="0" smtClean="0">
-                              <a:latin typeface="Cambria Math" panose="02040503050406030204" pitchFamily="18" charset="0"/>
-                            </a:rPr>
-                          </m:ctrlPr>
-                        </m:dPr>
-                        <m:e>
-                          <m:r>
-                            <a:rPr lang="en-US" sz="2000" b="0" i="1" dirty="0" smtClean="0">
-                              <a:latin typeface="Cambria Math" panose="02040503050406030204" pitchFamily="18" charset="0"/>
-                            </a:rPr>
-                            <m:t>𝑚</m:t>
-                          </m:r>
-                          <m:r>
-                            <a:rPr lang="en-US" sz="2000" b="0" i="1" dirty="0" smtClean="0">
-                              <a:latin typeface="Cambria Math" panose="02040503050406030204" pitchFamily="18" charset="0"/>
-                            </a:rPr>
-                            <m:t>=</m:t>
-                          </m:r>
-                          <m:sSub>
-                            <m:sSubPr>
-                              <m:ctrlPr>
-                                <a:rPr lang="en-US" sz="2000" b="0" i="1" dirty="0" smtClean="0">
-                                  <a:latin typeface="Cambria Math" panose="02040503050406030204" pitchFamily="18" charset="0"/>
-                                </a:rPr>
-                              </m:ctrlPr>
-                            </m:sSubPr>
-                            <m:e>
-                              <m:r>
-                                <a:rPr lang="en-US" sz="2000" b="0" i="1" dirty="0" smtClean="0">
-                                  <a:latin typeface="Cambria Math" panose="02040503050406030204" pitchFamily="18" charset="0"/>
-                                </a:rPr>
-                                <m:t>𝑚</m:t>
-                              </m:r>
-                            </m:e>
-                            <m:sub>
-                              <m:r>
-                                <a:rPr lang="en-US" sz="2000" b="0" i="1" dirty="0" smtClean="0">
-                                  <a:latin typeface="Cambria Math" panose="02040503050406030204" pitchFamily="18" charset="0"/>
-                                </a:rPr>
-                                <m:t>1</m:t>
-                              </m:r>
-                            </m:sub>
-                          </m:sSub>
-                        </m:e>
-                      </m:d>
-                      <m:r>
-                        <a:rPr lang="en-US" sz="2000" b="0" i="1" dirty="0" smtClean="0">
-                          <a:latin typeface="Cambria Math" panose="02040503050406030204" pitchFamily="18" charset="0"/>
-                        </a:rPr>
-                        <m:t>→</m:t>
-                      </m:r>
-                    </m:oMath>
-                  </a14:m>
-                  <a:endParaRPr lang="en-US" sz="2000" dirty="0"/>
-                </a:p>
-                <a:p>
-                  <a:r>
-                    <a:rPr lang="en-US" sz="2000" dirty="0"/>
-                    <a:t>	</a:t>
-                  </a:r>
-                  <a14:m>
-                    <m:oMath xmlns:m="http://schemas.openxmlformats.org/officeDocument/2006/math">
-                      <m:r>
-                        <a:rPr lang="en-US" sz="2000" b="0" i="1" smtClean="0">
-                          <a:latin typeface="Cambria Math" panose="02040503050406030204" pitchFamily="18" charset="0"/>
-                        </a:rPr>
-                        <m:t>𝑚</m:t>
-                      </m:r>
-                      <m:r>
-                        <a:rPr lang="en-US" sz="2000" b="0" i="1" smtClean="0">
-                          <a:latin typeface="Cambria Math" panose="02040503050406030204" pitchFamily="18" charset="0"/>
-                        </a:rPr>
-                        <m:t>≔</m:t>
-                      </m:r>
-                      <m:sSub>
-                        <m:sSubPr>
-                          <m:ctrlPr>
-                            <a:rPr lang="en-US" sz="2000" b="0" i="1" smtClean="0">
-                              <a:latin typeface="Cambria Math" panose="02040503050406030204" pitchFamily="18" charset="0"/>
-                            </a:rPr>
-                          </m:ctrlPr>
-                        </m:sSubPr>
-                        <m:e>
-                          <m:r>
-                            <a:rPr lang="en-US" sz="2000" b="0" i="1" smtClean="0">
-                              <a:latin typeface="Cambria Math" panose="02040503050406030204" pitchFamily="18" charset="0"/>
-                            </a:rPr>
-                            <m:t>𝑚</m:t>
-                          </m:r>
-                        </m:e>
-                        <m:sub>
-                          <m:r>
-                            <a:rPr lang="en-US" sz="2000" b="0" i="1" smtClean="0">
-                              <a:latin typeface="Cambria Math" panose="02040503050406030204" pitchFamily="18" charset="0"/>
-                            </a:rPr>
-                            <m:t>2</m:t>
-                          </m:r>
-                        </m:sub>
-                      </m:sSub>
-                    </m:oMath>
-                  </a14:m>
-                  <a:endParaRPr lang="en-US" sz="2000" dirty="0"/>
-                </a:p>
-              </p:txBody>
-            </p:sp>
-          </mc:Choice>
-          <mc:Fallback xmlns="">
-            <p:sp>
-              <p:nvSpPr>
-                <p:cNvPr id="12" name="TextBox 11">
-                  <a:extLst>
-                    <a:ext uri="{FF2B5EF4-FFF2-40B4-BE49-F238E27FC236}">
-                      <a16:creationId xmlns:a16="http://schemas.microsoft.com/office/drawing/2014/main" id="{F7E91E77-ADF9-46C8-BEC3-02EE396C91E8}"/>
-                    </a:ext>
-                  </a:extLst>
-                </p:cNvPr>
-                <p:cNvSpPr txBox="1">
-                  <a:spLocks noRot="1" noChangeAspect="1" noMove="1" noResize="1" noEditPoints="1" noAdjustHandles="1" noChangeArrowheads="1" noChangeShapeType="1" noTextEdit="1"/>
-                </p:cNvSpPr>
-                <p:nvPr/>
-              </p:nvSpPr>
-              <p:spPr>
-                <a:xfrm>
-                  <a:off x="7729010" y="1850918"/>
-                  <a:ext cx="2919939" cy="460431"/>
-                </a:xfrm>
-                <a:prstGeom prst="rect">
-                  <a:avLst/>
-                </a:prstGeom>
-                <a:blipFill>
-                  <a:blip r:embed="rId4"/>
-                  <a:stretch>
-                    <a:fillRect/>
-                  </a:stretch>
-                </a:blipFill>
-              </p:spPr>
-              <p:txBody>
-                <a:bodyPr/>
-                <a:lstStyle/>
-                <a:p>
-                  <a:r>
-                    <a:rPr lang="en-US">
-                      <a:noFill/>
-                    </a:rPr>
-                    <a:t> </a:t>
-                  </a:r>
-                </a:p>
-              </p:txBody>
-            </p:sp>
-          </mc:Fallback>
-        </mc:AlternateContent>
-        <mc:AlternateContent xmlns:mc="http://schemas.openxmlformats.org/markup-compatibility/2006" xmlns:a14="http://schemas.microsoft.com/office/drawing/2010/main">
-          <mc:Choice Requires="a14">
-            <p:sp>
-              <p:nvSpPr>
-                <p:cNvPr id="15" name="TextBox 14">
-                  <a:extLst>
-                    <a:ext uri="{FF2B5EF4-FFF2-40B4-BE49-F238E27FC236}">
-                      <a16:creationId xmlns:a16="http://schemas.microsoft.com/office/drawing/2014/main" id="{2814EF71-EB76-4903-8962-1A89DDF9834E}"/>
-                    </a:ext>
-                  </a:extLst>
-                </p:cNvPr>
-                <p:cNvSpPr txBox="1"/>
-                <p:nvPr/>
-              </p:nvSpPr>
-              <p:spPr>
-                <a:xfrm>
-                  <a:off x="7752416" y="2245922"/>
-                  <a:ext cx="2919939" cy="460431"/>
-                </a:xfrm>
-                <a:prstGeom prst="rect">
-                  <a:avLst/>
-                </a:prstGeom>
-                <a:noFill/>
-              </p:spPr>
-              <p:txBody>
-                <a:bodyPr wrap="square" rtlCol="0">
-                  <a:spAutoFit/>
-                </a:bodyPr>
-                <a:lstStyle/>
-                <a:p>
-                  <a14:m>
-                    <m:oMath xmlns:m="http://schemas.openxmlformats.org/officeDocument/2006/math">
-                      <m:sSub>
-                        <m:sSubPr>
-                          <m:ctrlPr>
-                            <a:rPr lang="en-US" sz="2000" b="0" i="1" smtClean="0">
-                              <a:latin typeface="Cambria Math" panose="02040503050406030204" pitchFamily="18" charset="0"/>
-                            </a:rPr>
-                          </m:ctrlPr>
-                        </m:sSubPr>
-                        <m:e>
-                          <m:r>
-                            <a:rPr lang="en-US" sz="2000" b="0" i="1" smtClean="0">
-                              <a:latin typeface="Cambria Math" panose="02040503050406030204" pitchFamily="18" charset="0"/>
-                            </a:rPr>
-                            <m:t>𝑇</m:t>
-                          </m:r>
-                        </m:e>
-                        <m:sub>
-                          <m:r>
-                            <a:rPr lang="en-US" sz="2000" b="0" i="1" smtClean="0">
-                              <a:latin typeface="Cambria Math" panose="02040503050406030204" pitchFamily="18" charset="0"/>
-                            </a:rPr>
-                            <m:t>2→1</m:t>
-                          </m:r>
-                        </m:sub>
-                      </m:sSub>
-                      <m:r>
-                        <a:rPr lang="en-US" sz="2000" b="0" i="1" smtClean="0">
-                          <a:latin typeface="Cambria Math" panose="02040503050406030204" pitchFamily="18" charset="0"/>
-                        </a:rPr>
-                        <m:t>:</m:t>
-                      </m:r>
-                    </m:oMath>
-                  </a14:m>
-                  <a:r>
-                    <a:rPr lang="en-US" sz="2000" dirty="0"/>
-                    <a:t> </a:t>
-                  </a:r>
-                  <a14:m>
-                    <m:oMath xmlns:m="http://schemas.openxmlformats.org/officeDocument/2006/math">
-                      <m:sSub>
-                        <m:sSubPr>
-                          <m:ctrlPr>
-                            <a:rPr lang="en-US" sz="2000" b="0" i="1" dirty="0" smtClean="0">
-                              <a:latin typeface="Cambria Math" panose="02040503050406030204" pitchFamily="18" charset="0"/>
-                            </a:rPr>
-                          </m:ctrlPr>
-                        </m:sSubPr>
-                        <m:e>
-                          <m:r>
-                            <m:rPr>
-                              <m:sty m:val="p"/>
-                            </m:rPr>
-                            <a:rPr lang="en-US" sz="2000" b="0" i="0" dirty="0" smtClean="0">
-                              <a:latin typeface="Cambria Math" panose="02040503050406030204" pitchFamily="18" charset="0"/>
-                            </a:rPr>
-                            <m:t>g</m:t>
-                          </m:r>
-                        </m:e>
-                        <m:sub>
-                          <m:r>
-                            <a:rPr lang="en-US" sz="2000" b="0" i="0" dirty="0" smtClean="0">
-                              <a:latin typeface="Cambria Math" panose="02040503050406030204" pitchFamily="18" charset="0"/>
-                            </a:rPr>
-                            <m:t>2</m:t>
-                          </m:r>
-                        </m:sub>
-                      </m:sSub>
-                      <m:d>
-                        <m:dPr>
-                          <m:ctrlPr>
-                            <a:rPr lang="en-US" sz="2000" b="0" i="1" dirty="0" smtClean="0">
-                              <a:latin typeface="Cambria Math" panose="02040503050406030204" pitchFamily="18" charset="0"/>
-                            </a:rPr>
-                          </m:ctrlPr>
-                        </m:dPr>
-                        <m:e>
-                          <m:r>
-                            <m:rPr>
-                              <m:sty m:val="p"/>
-                            </m:rPr>
-                            <a:rPr lang="en-US" sz="2000" b="0" i="0" dirty="0" smtClean="0">
-                              <a:latin typeface="Cambria Math" panose="02040503050406030204" pitchFamily="18" charset="0"/>
-                            </a:rPr>
-                            <m:t>c</m:t>
-                          </m:r>
-                        </m:e>
-                      </m:d>
-                      <m:r>
-                        <a:rPr lang="en-US" sz="2000" b="0" i="1" dirty="0" smtClean="0">
-                          <a:latin typeface="Cambria Math" panose="02040503050406030204" pitchFamily="18" charset="0"/>
-                        </a:rPr>
-                        <m:t>∧(</m:t>
-                      </m:r>
-                      <m:r>
-                        <a:rPr lang="en-US" sz="2000" b="0" i="1" dirty="0" smtClean="0">
-                          <a:latin typeface="Cambria Math" panose="02040503050406030204" pitchFamily="18" charset="0"/>
-                        </a:rPr>
-                        <m:t>𝑚</m:t>
-                      </m:r>
-                      <m:r>
-                        <a:rPr lang="en-US" sz="2000" b="0" i="1" dirty="0" smtClean="0">
-                          <a:latin typeface="Cambria Math" panose="02040503050406030204" pitchFamily="18" charset="0"/>
-                        </a:rPr>
-                        <m:t>=</m:t>
-                      </m:r>
-                      <m:sSub>
-                        <m:sSubPr>
-                          <m:ctrlPr>
-                            <a:rPr lang="en-US" sz="2000" b="0" i="1" dirty="0" smtClean="0">
-                              <a:latin typeface="Cambria Math" panose="02040503050406030204" pitchFamily="18" charset="0"/>
-                            </a:rPr>
-                          </m:ctrlPr>
-                        </m:sSubPr>
-                        <m:e>
-                          <m:r>
-                            <a:rPr lang="en-US" sz="2000" b="0" i="1" dirty="0" smtClean="0">
-                              <a:latin typeface="Cambria Math" panose="02040503050406030204" pitchFamily="18" charset="0"/>
-                            </a:rPr>
-                            <m:t>𝑚</m:t>
-                          </m:r>
-                        </m:e>
-                        <m:sub>
-                          <m:r>
-                            <a:rPr lang="en-US" sz="2000" b="0" i="1" dirty="0" smtClean="0">
-                              <a:latin typeface="Cambria Math" panose="02040503050406030204" pitchFamily="18" charset="0"/>
-                            </a:rPr>
-                            <m:t>2</m:t>
-                          </m:r>
-                        </m:sub>
-                      </m:sSub>
-                      <m:r>
-                        <a:rPr lang="en-US" sz="2000" b="0" i="1" dirty="0" smtClean="0">
-                          <a:latin typeface="Cambria Math" panose="02040503050406030204" pitchFamily="18" charset="0"/>
-                        </a:rPr>
-                        <m:t>)→</m:t>
-                      </m:r>
-                    </m:oMath>
-                  </a14:m>
-                  <a:endParaRPr lang="en-US" sz="2000" dirty="0"/>
-                </a:p>
-                <a:p>
-                  <a:r>
-                    <a:rPr lang="en-US" sz="2000" dirty="0"/>
-                    <a:t>	</a:t>
-                  </a:r>
-                  <a14:m>
-                    <m:oMath xmlns:m="http://schemas.openxmlformats.org/officeDocument/2006/math">
-                      <m:r>
-                        <a:rPr lang="en-US" sz="2000" i="1" dirty="0">
-                          <a:latin typeface="Cambria Math" panose="02040503050406030204" pitchFamily="18" charset="0"/>
-                        </a:rPr>
-                        <m:t>𝑚</m:t>
-                      </m:r>
-                      <m:r>
-                        <a:rPr lang="en-US" sz="2000" i="1" dirty="0">
-                          <a:latin typeface="Cambria Math" panose="02040503050406030204" pitchFamily="18" charset="0"/>
-                        </a:rPr>
-                        <m:t>≔</m:t>
-                      </m:r>
-                      <m:sSub>
-                        <m:sSubPr>
-                          <m:ctrlPr>
-                            <a:rPr lang="en-US" sz="2000" i="1" dirty="0">
-                              <a:latin typeface="Cambria Math" panose="02040503050406030204" pitchFamily="18" charset="0"/>
-                            </a:rPr>
-                          </m:ctrlPr>
-                        </m:sSubPr>
-                        <m:e>
-                          <m:r>
-                            <a:rPr lang="en-US" sz="2000" i="1" dirty="0">
-                              <a:latin typeface="Cambria Math" panose="02040503050406030204" pitchFamily="18" charset="0"/>
-                            </a:rPr>
-                            <m:t>𝑚</m:t>
-                          </m:r>
-                        </m:e>
-                        <m:sub>
-                          <m:r>
-                            <a:rPr lang="en-US" sz="2000" i="1" dirty="0">
-                              <a:latin typeface="Cambria Math" panose="02040503050406030204" pitchFamily="18" charset="0"/>
-                            </a:rPr>
-                            <m:t>1</m:t>
-                          </m:r>
-                        </m:sub>
-                      </m:sSub>
-                    </m:oMath>
-                  </a14:m>
-                  <a:endParaRPr lang="en-US" sz="2000" dirty="0"/>
-                </a:p>
-              </p:txBody>
-            </p:sp>
-          </mc:Choice>
-          <mc:Fallback xmlns="">
-            <p:sp>
-              <p:nvSpPr>
-                <p:cNvPr id="15" name="TextBox 14">
-                  <a:extLst>
-                    <a:ext uri="{FF2B5EF4-FFF2-40B4-BE49-F238E27FC236}">
-                      <a16:creationId xmlns:a16="http://schemas.microsoft.com/office/drawing/2014/main" id="{2814EF71-EB76-4903-8962-1A89DDF9834E}"/>
-                    </a:ext>
-                  </a:extLst>
-                </p:cNvPr>
-                <p:cNvSpPr txBox="1">
-                  <a:spLocks noRot="1" noChangeAspect="1" noMove="1" noResize="1" noEditPoints="1" noAdjustHandles="1" noChangeArrowheads="1" noChangeShapeType="1" noTextEdit="1"/>
-                </p:cNvSpPr>
-                <p:nvPr/>
-              </p:nvSpPr>
-              <p:spPr>
-                <a:xfrm>
-                  <a:off x="7752416" y="2245922"/>
-                  <a:ext cx="2919939" cy="460431"/>
-                </a:xfrm>
-                <a:prstGeom prst="rect">
-                  <a:avLst/>
-                </a:prstGeom>
-                <a:blipFill>
-                  <a:blip r:embed="rId5"/>
-                  <a:stretch>
-                    <a:fillRect/>
-                  </a:stretch>
-                </a:blipFill>
-              </p:spPr>
-              <p:txBody>
-                <a:bodyPr/>
-                <a:lstStyle/>
-                <a:p>
-                  <a:r>
-                    <a:rPr lang="en-US">
-                      <a:noFill/>
-                    </a:rPr>
-                    <a:t> </a:t>
-                  </a:r>
-                </a:p>
-              </p:txBody>
-            </p:sp>
-          </mc:Fallback>
-        </mc:AlternateContent>
-      </p:grpSp>
-      <p:grpSp>
-        <p:nvGrpSpPr>
           <p:cNvPr id="24" name="Group 23">
             <a:extLst>
               <a:ext uri="{FF2B5EF4-FFF2-40B4-BE49-F238E27FC236}">
@@ -10376,8 +9570,8 @@
               </a:p>
             </p:txBody>
           </p:sp>
-          <mc:AlternateContent xmlns:mc="http://schemas.openxmlformats.org/markup-compatibility/2006">
-            <mc:Choice xmlns:a14="http://schemas.microsoft.com/office/drawing/2010/main" Requires="a14">
+          <mc:AlternateContent xmlns:mc="http://schemas.openxmlformats.org/markup-compatibility/2006" xmlns:a14="http://schemas.microsoft.com/office/drawing/2010/main">
+            <mc:Choice Requires="a14">
               <p:sp>
                 <p:nvSpPr>
                   <p:cNvPr id="20" name="Oval 19">
@@ -10506,7 +9700,7 @@
                 </p:txBody>
               </p:sp>
             </mc:Choice>
-            <mc:Fallback>
+            <mc:Fallback xmlns="">
               <p:sp>
                 <p:nvSpPr>
                   <p:cNvPr id="20" name="Oval 19">
@@ -18025,8 +17219,8 @@
           <a:chExt cx="0" cy="0"/>
         </a:xfrm>
       </p:grpSpPr>
-      <mc:AlternateContent xmlns:mc="http://schemas.openxmlformats.org/markup-compatibility/2006" xmlns:a14="http://schemas.microsoft.com/office/drawing/2010/main">
-        <mc:Choice Requires="a14">
+      <mc:AlternateContent xmlns:mc="http://schemas.openxmlformats.org/markup-compatibility/2006">
+        <mc:Choice xmlns:a14="http://schemas.microsoft.com/office/drawing/2010/main" Requires="a14">
           <p:sp>
             <p:nvSpPr>
               <p:cNvPr id="2" name="Content Placeholder 1">
@@ -18051,7 +17245,7 @@
             </p:spPr>
             <p:txBody>
               <a:bodyPr>
-                <a:normAutofit fontScale="92500" lnSpcReduction="10000"/>
+                <a:normAutofit/>
               </a:bodyPr>
               <a:lstStyle/>
               <a:p>
@@ -18334,16 +17528,10 @@
                   <a:t>Global clock-based synchronization</a:t>
                 </a:r>
               </a:p>
-              <a:p>
-                <a:r>
-                  <a:rPr lang="en-US" sz="2400" dirty="0"/>
-                  <a:t>Reason why timed models are called semi-synchronous or partially synchronous</a:t>
-                </a:r>
-              </a:p>
             </p:txBody>
           </p:sp>
         </mc:Choice>
-        <mc:Fallback xmlns="">
+        <mc:Fallback>
           <p:sp>
             <p:nvSpPr>
               <p:cNvPr id="2" name="Content Placeholder 1">
@@ -18368,7 +17556,7 @@
               <a:blipFill>
                 <a:blip r:embed="rId2"/>
                 <a:stretch>
-                  <a:fillRect l="-744" t="-2384"/>
+                  <a:fillRect l="-850" t="-1964" r="-956"/>
                 </a:stretch>
               </a:blipFill>
             </p:spPr>
@@ -20705,55 +19893,6 @@
                                           <p:spTgt spid="2">
                                             <p:txEl>
                                               <p:pRg st="8" end="8"/>
-                                            </p:txEl>
-                                          </p:spTgt>
-                                        </p:tgtEl>
-                                        <p:attrNameLst>
-                                          <p:attrName>style.visibility</p:attrName>
-                                        </p:attrNameLst>
-                                      </p:cBhvr>
-                                      <p:to>
-                                        <p:strVal val="visible"/>
-                                      </p:to>
-                                    </p:set>
-                                  </p:childTnLst>
-                                </p:cTn>
-                              </p:par>
-                            </p:childTnLst>
-                          </p:cTn>
-                        </p:par>
-                      </p:childTnLst>
-                    </p:cTn>
-                  </p:par>
-                  <p:par>
-                    <p:cTn id="27" fill="hold">
-                      <p:stCondLst>
-                        <p:cond delay="indefinite"/>
-                      </p:stCondLst>
-                      <p:childTnLst>
-                        <p:par>
-                          <p:cTn id="28" fill="hold">
-                            <p:stCondLst>
-                              <p:cond delay="0"/>
-                            </p:stCondLst>
-                            <p:childTnLst>
-                              <p:par>
-                                <p:cTn id="29" presetID="1" presetClass="entr" presetSubtype="0" fill="hold" grpId="0" nodeType="clickEffect">
-                                  <p:stCondLst>
-                                    <p:cond delay="0"/>
-                                  </p:stCondLst>
-                                  <p:childTnLst>
-                                    <p:set>
-                                      <p:cBhvr>
-                                        <p:cTn id="30" dur="1" fill="hold">
-                                          <p:stCondLst>
-                                            <p:cond delay="0"/>
-                                          </p:stCondLst>
-                                        </p:cTn>
-                                        <p:tgtEl>
-                                          <p:spTgt spid="2">
-                                            <p:txEl>
-                                              <p:pRg st="9" end="9"/>
                                             </p:txEl>
                                           </p:spTgt>
                                         </p:tgtEl>
@@ -44597,7 +43736,7 @@
 </file>
 
 <file path=ppt/slides/slide9.xml><?xml version="1.0" encoding="utf-8"?>
-<p:sld xmlns:a="http://schemas.openxmlformats.org/drawingml/2006/main" xmlns:r="http://schemas.openxmlformats.org/officeDocument/2006/relationships" xmlns:p="http://schemas.openxmlformats.org/presentationml/2006/main">
+<p:sld xmlns:a="http://schemas.openxmlformats.org/drawingml/2006/main" xmlns:r="http://schemas.openxmlformats.org/officeDocument/2006/relationships" xmlns:p="http://schemas.openxmlformats.org/presentationml/2006/main" show="0">
   <p:cSld>
     <p:spTree>
       <p:nvGrpSpPr>
